--- a/presentation.pptx
+++ b/presentation.pptx
@@ -4,6 +4,9 @@
   <p:sldMasterIdLst>
     <p:sldMasterId id="2147483648" r:id="rId1"/>
   </p:sldMasterIdLst>
+  <p:notesMasterIdLst>
+    <p:notesMasterId r:id="rId38"/>
+  </p:notesMasterIdLst>
   <p:sldIdLst>
     <p:sldId id="256" r:id="rId2"/>
     <p:sldId id="286" r:id="rId3"/>
@@ -147,6 +150,440 @@
 </p:presentation>
 </file>
 
+<file path=ppt/notesMasters/notesMaster1.xml><?xml version="1.0" encoding="utf-8"?>
+<p:notesMaster xmlns:a="http://schemas.openxmlformats.org/drawingml/2006/main" xmlns:r="http://schemas.openxmlformats.org/officeDocument/2006/relationships" xmlns:p="http://schemas.openxmlformats.org/presentationml/2006/main">
+  <p:cSld>
+    <p:bg>
+      <p:bgRef idx="1001">
+        <a:schemeClr val="bg1"/>
+      </p:bgRef>
+    </p:bg>
+    <p:spTree>
+      <p:nvGrpSpPr>
+        <p:cNvPr id="1" name=""/>
+        <p:cNvGrpSpPr/>
+        <p:nvPr/>
+      </p:nvGrpSpPr>
+      <p:grpSpPr>
+        <a:xfrm>
+          <a:off x="0" y="0"/>
+          <a:ext cx="0" cy="0"/>
+          <a:chOff x="0" y="0"/>
+          <a:chExt cx="0" cy="0"/>
+        </a:xfrm>
+      </p:grpSpPr>
+      <p:sp>
+        <p:nvSpPr>
+          <p:cNvPr id="2" name="Header Placeholder 1"/>
+          <p:cNvSpPr>
+            <a:spLocks noGrp="1"/>
+          </p:cNvSpPr>
+          <p:nvPr>
+            <p:ph type="hdr" sz="quarter"/>
+          </p:nvPr>
+        </p:nvSpPr>
+        <p:spPr>
+          <a:xfrm>
+            <a:off x="0" y="0"/>
+            <a:ext cx="2971800" cy="458788"/>
+          </a:xfrm>
+          <a:prstGeom prst="rect">
+            <a:avLst/>
+          </a:prstGeom>
+        </p:spPr>
+        <p:txBody>
+          <a:bodyPr vert="horz" lIns="91440" tIns="45720" rIns="91440" bIns="45720" rtlCol="0"/>
+          <a:lstStyle>
+            <a:lvl1pPr algn="l">
+              <a:defRPr sz="1200"/>
+            </a:lvl1pPr>
+          </a:lstStyle>
+          <a:p>
+            <a:endParaRPr lang="en-US"/>
+          </a:p>
+        </p:txBody>
+      </p:sp>
+      <p:sp>
+        <p:nvSpPr>
+          <p:cNvPr id="3" name="Date Placeholder 2"/>
+          <p:cNvSpPr>
+            <a:spLocks noGrp="1"/>
+          </p:cNvSpPr>
+          <p:nvPr>
+            <p:ph type="dt" idx="1"/>
+          </p:nvPr>
+        </p:nvSpPr>
+        <p:spPr>
+          <a:xfrm>
+            <a:off x="3884613" y="0"/>
+            <a:ext cx="2971800" cy="458788"/>
+          </a:xfrm>
+          <a:prstGeom prst="rect">
+            <a:avLst/>
+          </a:prstGeom>
+        </p:spPr>
+        <p:txBody>
+          <a:bodyPr vert="horz" lIns="91440" tIns="45720" rIns="91440" bIns="45720" rtlCol="0"/>
+          <a:lstStyle>
+            <a:lvl1pPr algn="r">
+              <a:defRPr sz="1200"/>
+            </a:lvl1pPr>
+          </a:lstStyle>
+          <a:p>
+            <a:fld id="{AAC779B6-01A0-C04D-9B61-906036CEA58B}" type="datetimeFigureOut">
+              <a:rPr lang="en-US" smtClean="0"/>
+              <a:t>6/26/23</a:t>
+            </a:fld>
+            <a:endParaRPr lang="en-US"/>
+          </a:p>
+        </p:txBody>
+      </p:sp>
+      <p:sp>
+        <p:nvSpPr>
+          <p:cNvPr id="4" name="Slide Image Placeholder 3"/>
+          <p:cNvSpPr>
+            <a:spLocks noGrp="1" noRot="1" noChangeAspect="1"/>
+          </p:cNvSpPr>
+          <p:nvPr>
+            <p:ph type="sldImg" idx="2"/>
+          </p:nvPr>
+        </p:nvSpPr>
+        <p:spPr>
+          <a:xfrm>
+            <a:off x="685800" y="1143000"/>
+            <a:ext cx="5486400" cy="3086100"/>
+          </a:xfrm>
+          <a:prstGeom prst="rect">
+            <a:avLst/>
+          </a:prstGeom>
+          <a:noFill/>
+          <a:ln w="12700">
+            <a:solidFill>
+              <a:prstClr val="black"/>
+            </a:solidFill>
+          </a:ln>
+        </p:spPr>
+        <p:txBody>
+          <a:bodyPr vert="horz" lIns="91440" tIns="45720" rIns="91440" bIns="45720" rtlCol="0" anchor="ctr"/>
+          <a:lstStyle/>
+          <a:p>
+            <a:endParaRPr lang="en-US"/>
+          </a:p>
+        </p:txBody>
+      </p:sp>
+      <p:sp>
+        <p:nvSpPr>
+          <p:cNvPr id="5" name="Notes Placeholder 4"/>
+          <p:cNvSpPr>
+            <a:spLocks noGrp="1"/>
+          </p:cNvSpPr>
+          <p:nvPr>
+            <p:ph type="body" sz="quarter" idx="3"/>
+          </p:nvPr>
+        </p:nvSpPr>
+        <p:spPr>
+          <a:xfrm>
+            <a:off x="685800" y="4400550"/>
+            <a:ext cx="5486400" cy="3600450"/>
+          </a:xfrm>
+          <a:prstGeom prst="rect">
+            <a:avLst/>
+          </a:prstGeom>
+        </p:spPr>
+        <p:txBody>
+          <a:bodyPr vert="horz" lIns="91440" tIns="45720" rIns="91440" bIns="45720" rtlCol="0"/>
+          <a:lstStyle/>
+          <a:p>
+            <a:pPr lvl="0"/>
+            <a:r>
+              <a:rPr lang="en-GB"/>
+              <a:t>Click to edit Master text styles</a:t>
+            </a:r>
+          </a:p>
+          <a:p>
+            <a:pPr lvl="1"/>
+            <a:r>
+              <a:rPr lang="en-GB"/>
+              <a:t>Second level</a:t>
+            </a:r>
+          </a:p>
+          <a:p>
+            <a:pPr lvl="2"/>
+            <a:r>
+              <a:rPr lang="en-GB"/>
+              <a:t>Third level</a:t>
+            </a:r>
+          </a:p>
+          <a:p>
+            <a:pPr lvl="3"/>
+            <a:r>
+              <a:rPr lang="en-GB"/>
+              <a:t>Fourth level</a:t>
+            </a:r>
+          </a:p>
+          <a:p>
+            <a:pPr lvl="4"/>
+            <a:r>
+              <a:rPr lang="en-GB"/>
+              <a:t>Fifth level</a:t>
+            </a:r>
+            <a:endParaRPr lang="en-US"/>
+          </a:p>
+        </p:txBody>
+      </p:sp>
+      <p:sp>
+        <p:nvSpPr>
+          <p:cNvPr id="6" name="Footer Placeholder 5"/>
+          <p:cNvSpPr>
+            <a:spLocks noGrp="1"/>
+          </p:cNvSpPr>
+          <p:nvPr>
+            <p:ph type="ftr" sz="quarter" idx="4"/>
+          </p:nvPr>
+        </p:nvSpPr>
+        <p:spPr>
+          <a:xfrm>
+            <a:off x="0" y="8685213"/>
+            <a:ext cx="2971800" cy="458787"/>
+          </a:xfrm>
+          <a:prstGeom prst="rect">
+            <a:avLst/>
+          </a:prstGeom>
+        </p:spPr>
+        <p:txBody>
+          <a:bodyPr vert="horz" lIns="91440" tIns="45720" rIns="91440" bIns="45720" rtlCol="0" anchor="b"/>
+          <a:lstStyle>
+            <a:lvl1pPr algn="l">
+              <a:defRPr sz="1200"/>
+            </a:lvl1pPr>
+          </a:lstStyle>
+          <a:p>
+            <a:endParaRPr lang="en-US"/>
+          </a:p>
+        </p:txBody>
+      </p:sp>
+      <p:sp>
+        <p:nvSpPr>
+          <p:cNvPr id="7" name="Slide Number Placeholder 6"/>
+          <p:cNvSpPr>
+            <a:spLocks noGrp="1"/>
+          </p:cNvSpPr>
+          <p:nvPr>
+            <p:ph type="sldNum" sz="quarter" idx="5"/>
+          </p:nvPr>
+        </p:nvSpPr>
+        <p:spPr>
+          <a:xfrm>
+            <a:off x="3884613" y="8685213"/>
+            <a:ext cx="2971800" cy="458787"/>
+          </a:xfrm>
+          <a:prstGeom prst="rect">
+            <a:avLst/>
+          </a:prstGeom>
+        </p:spPr>
+        <p:txBody>
+          <a:bodyPr vert="horz" lIns="91440" tIns="45720" rIns="91440" bIns="45720" rtlCol="0" anchor="b"/>
+          <a:lstStyle>
+            <a:lvl1pPr algn="r">
+              <a:defRPr sz="1200"/>
+            </a:lvl1pPr>
+          </a:lstStyle>
+          <a:p>
+            <a:fld id="{1C8C61C8-94BF-2844-AE39-95F5DF681762}" type="slidenum">
+              <a:rPr lang="en-US" smtClean="0"/>
+              <a:t>‹#›</a:t>
+            </a:fld>
+            <a:endParaRPr lang="en-US"/>
+          </a:p>
+        </p:txBody>
+      </p:sp>
+    </p:spTree>
+    <p:extLst>
+      <p:ext uri="{BB962C8B-B14F-4D97-AF65-F5344CB8AC3E}">
+        <p14:creationId xmlns:p14="http://schemas.microsoft.com/office/powerpoint/2010/main" val="3974619257"/>
+      </p:ext>
+    </p:extLst>
+  </p:cSld>
+  <p:clrMap bg1="lt1" tx1="dk1" bg2="lt2" tx2="dk2" accent1="accent1" accent2="accent2" accent3="accent3" accent4="accent4" accent5="accent5" accent6="accent6" hlink="hlink" folHlink="folHlink"/>
+  <p:notesStyle>
+    <a:lvl1pPr marL="0" algn="l" defTabSz="914400" rtl="0" eaLnBrk="1" latinLnBrk="0" hangingPunct="1">
+      <a:defRPr sz="1200" kern="1200">
+        <a:solidFill>
+          <a:schemeClr val="tx1"/>
+        </a:solidFill>
+        <a:latin typeface="+mn-lt"/>
+        <a:ea typeface="+mn-ea"/>
+        <a:cs typeface="+mn-cs"/>
+      </a:defRPr>
+    </a:lvl1pPr>
+    <a:lvl2pPr marL="457200" algn="l" defTabSz="914400" rtl="0" eaLnBrk="1" latinLnBrk="0" hangingPunct="1">
+      <a:defRPr sz="1200" kern="1200">
+        <a:solidFill>
+          <a:schemeClr val="tx1"/>
+        </a:solidFill>
+        <a:latin typeface="+mn-lt"/>
+        <a:ea typeface="+mn-ea"/>
+        <a:cs typeface="+mn-cs"/>
+      </a:defRPr>
+    </a:lvl2pPr>
+    <a:lvl3pPr marL="914400" algn="l" defTabSz="914400" rtl="0" eaLnBrk="1" latinLnBrk="0" hangingPunct="1">
+      <a:defRPr sz="1200" kern="1200">
+        <a:solidFill>
+          <a:schemeClr val="tx1"/>
+        </a:solidFill>
+        <a:latin typeface="+mn-lt"/>
+        <a:ea typeface="+mn-ea"/>
+        <a:cs typeface="+mn-cs"/>
+      </a:defRPr>
+    </a:lvl3pPr>
+    <a:lvl4pPr marL="1371600" algn="l" defTabSz="914400" rtl="0" eaLnBrk="1" latinLnBrk="0" hangingPunct="1">
+      <a:defRPr sz="1200" kern="1200">
+        <a:solidFill>
+          <a:schemeClr val="tx1"/>
+        </a:solidFill>
+        <a:latin typeface="+mn-lt"/>
+        <a:ea typeface="+mn-ea"/>
+        <a:cs typeface="+mn-cs"/>
+      </a:defRPr>
+    </a:lvl4pPr>
+    <a:lvl5pPr marL="1828800" algn="l" defTabSz="914400" rtl="0" eaLnBrk="1" latinLnBrk="0" hangingPunct="1">
+      <a:defRPr sz="1200" kern="1200">
+        <a:solidFill>
+          <a:schemeClr val="tx1"/>
+        </a:solidFill>
+        <a:latin typeface="+mn-lt"/>
+        <a:ea typeface="+mn-ea"/>
+        <a:cs typeface="+mn-cs"/>
+      </a:defRPr>
+    </a:lvl5pPr>
+    <a:lvl6pPr marL="2286000" algn="l" defTabSz="914400" rtl="0" eaLnBrk="1" latinLnBrk="0" hangingPunct="1">
+      <a:defRPr sz="1200" kern="1200">
+        <a:solidFill>
+          <a:schemeClr val="tx1"/>
+        </a:solidFill>
+        <a:latin typeface="+mn-lt"/>
+        <a:ea typeface="+mn-ea"/>
+        <a:cs typeface="+mn-cs"/>
+      </a:defRPr>
+    </a:lvl6pPr>
+    <a:lvl7pPr marL="2743200" algn="l" defTabSz="914400" rtl="0" eaLnBrk="1" latinLnBrk="0" hangingPunct="1">
+      <a:defRPr sz="1200" kern="1200">
+        <a:solidFill>
+          <a:schemeClr val="tx1"/>
+        </a:solidFill>
+        <a:latin typeface="+mn-lt"/>
+        <a:ea typeface="+mn-ea"/>
+        <a:cs typeface="+mn-cs"/>
+      </a:defRPr>
+    </a:lvl7pPr>
+    <a:lvl8pPr marL="3200400" algn="l" defTabSz="914400" rtl="0" eaLnBrk="1" latinLnBrk="0" hangingPunct="1">
+      <a:defRPr sz="1200" kern="1200">
+        <a:solidFill>
+          <a:schemeClr val="tx1"/>
+        </a:solidFill>
+        <a:latin typeface="+mn-lt"/>
+        <a:ea typeface="+mn-ea"/>
+        <a:cs typeface="+mn-cs"/>
+      </a:defRPr>
+    </a:lvl8pPr>
+    <a:lvl9pPr marL="3657600" algn="l" defTabSz="914400" rtl="0" eaLnBrk="1" latinLnBrk="0" hangingPunct="1">
+      <a:defRPr sz="1200" kern="1200">
+        <a:solidFill>
+          <a:schemeClr val="tx1"/>
+        </a:solidFill>
+        <a:latin typeface="+mn-lt"/>
+        <a:ea typeface="+mn-ea"/>
+        <a:cs typeface="+mn-cs"/>
+      </a:defRPr>
+    </a:lvl9pPr>
+  </p:notesStyle>
+</p:notesMaster>
+</file>
+
+<file path=ppt/notesSlides/notesSlide1.xml><?xml version="1.0" encoding="utf-8"?>
+<p:notes xmlns:a="http://schemas.openxmlformats.org/drawingml/2006/main" xmlns:r="http://schemas.openxmlformats.org/officeDocument/2006/relationships" xmlns:p="http://schemas.openxmlformats.org/presentationml/2006/main">
+  <p:cSld>
+    <p:spTree>
+      <p:nvGrpSpPr>
+        <p:cNvPr id="1" name=""/>
+        <p:cNvGrpSpPr/>
+        <p:nvPr/>
+      </p:nvGrpSpPr>
+      <p:grpSpPr>
+        <a:xfrm>
+          <a:off x="0" y="0"/>
+          <a:ext cx="0" cy="0"/>
+          <a:chOff x="0" y="0"/>
+          <a:chExt cx="0" cy="0"/>
+        </a:xfrm>
+      </p:grpSpPr>
+      <p:sp>
+        <p:nvSpPr>
+          <p:cNvPr id="2" name="Slide Image Placeholder 1"/>
+          <p:cNvSpPr>
+            <a:spLocks noGrp="1" noRot="1" noChangeAspect="1"/>
+          </p:cNvSpPr>
+          <p:nvPr>
+            <p:ph type="sldImg"/>
+          </p:nvPr>
+        </p:nvSpPr>
+        <p:spPr/>
+      </p:sp>
+      <p:sp>
+        <p:nvSpPr>
+          <p:cNvPr id="3" name="Notes Placeholder 2"/>
+          <p:cNvSpPr>
+            <a:spLocks noGrp="1"/>
+          </p:cNvSpPr>
+          <p:nvPr>
+            <p:ph type="body" idx="1"/>
+          </p:nvPr>
+        </p:nvSpPr>
+        <p:spPr/>
+        <p:txBody>
+          <a:bodyPr/>
+          <a:lstStyle/>
+          <a:p>
+            <a:endParaRPr lang="en-US" dirty="0"/>
+          </a:p>
+        </p:txBody>
+      </p:sp>
+      <p:sp>
+        <p:nvSpPr>
+          <p:cNvPr id="4" name="Slide Number Placeholder 3"/>
+          <p:cNvSpPr>
+            <a:spLocks noGrp="1"/>
+          </p:cNvSpPr>
+          <p:nvPr>
+            <p:ph type="sldNum" sz="quarter" idx="5"/>
+          </p:nvPr>
+        </p:nvSpPr>
+        <p:spPr/>
+        <p:txBody>
+          <a:bodyPr/>
+          <a:lstStyle/>
+          <a:p>
+            <a:fld id="{1C8C61C8-94BF-2844-AE39-95F5DF681762}" type="slidenum">
+              <a:rPr lang="en-US" smtClean="0"/>
+              <a:t>32</a:t>
+            </a:fld>
+            <a:endParaRPr lang="en-US"/>
+          </a:p>
+        </p:txBody>
+      </p:sp>
+    </p:spTree>
+    <p:extLst>
+      <p:ext uri="{BB962C8B-B14F-4D97-AF65-F5344CB8AC3E}">
+        <p14:creationId xmlns:p14="http://schemas.microsoft.com/office/powerpoint/2010/main" val="735238452"/>
+      </p:ext>
+    </p:extLst>
+  </p:cSld>
+  <p:clrMapOvr>
+    <a:masterClrMapping/>
+  </p:clrMapOvr>
+</p:notes>
+</file>
+
 <file path=ppt/slideLayouts/slideLayout1.xml><?xml version="1.0" encoding="utf-8"?>
 <p:sldLayout xmlns:a="http://schemas.openxmlformats.org/drawingml/2006/main" xmlns:r="http://schemas.openxmlformats.org/officeDocument/2006/relationships" xmlns:p="http://schemas.openxmlformats.org/presentationml/2006/main" type="title" preserve="1">
   <p:cSld name="Title Slide">
@@ -296,7 +733,7 @@
           <a:p>
             <a:fld id="{F7AE9606-689F-2A45-AFD3-4975E0BD38B6}" type="datetimeFigureOut">
               <a:rPr lang="en-US" smtClean="0"/>
-              <a:t>6/2/23</a:t>
+              <a:t>6/26/23</a:t>
             </a:fld>
             <a:endParaRPr lang="en-US"/>
           </a:p>
@@ -496,7 +933,7 @@
           <a:p>
             <a:fld id="{F7AE9606-689F-2A45-AFD3-4975E0BD38B6}" type="datetimeFigureOut">
               <a:rPr lang="en-US" smtClean="0"/>
-              <a:t>6/2/23</a:t>
+              <a:t>6/26/23</a:t>
             </a:fld>
             <a:endParaRPr lang="en-US"/>
           </a:p>
@@ -706,7 +1143,7 @@
           <a:p>
             <a:fld id="{F7AE9606-689F-2A45-AFD3-4975E0BD38B6}" type="datetimeFigureOut">
               <a:rPr lang="en-US" smtClean="0"/>
-              <a:t>6/2/23</a:t>
+              <a:t>6/26/23</a:t>
             </a:fld>
             <a:endParaRPr lang="en-US"/>
           </a:p>
@@ -906,7 +1343,7 @@
           <a:p>
             <a:fld id="{F7AE9606-689F-2A45-AFD3-4975E0BD38B6}" type="datetimeFigureOut">
               <a:rPr lang="en-US" smtClean="0"/>
-              <a:t>6/2/23</a:t>
+              <a:t>6/26/23</a:t>
             </a:fld>
             <a:endParaRPr lang="en-US"/>
           </a:p>
@@ -1182,7 +1619,7 @@
           <a:p>
             <a:fld id="{F7AE9606-689F-2A45-AFD3-4975E0BD38B6}" type="datetimeFigureOut">
               <a:rPr lang="en-US" smtClean="0"/>
-              <a:t>6/2/23</a:t>
+              <a:t>6/26/23</a:t>
             </a:fld>
             <a:endParaRPr lang="en-US"/>
           </a:p>
@@ -1450,7 +1887,7 @@
           <a:p>
             <a:fld id="{F7AE9606-689F-2A45-AFD3-4975E0BD38B6}" type="datetimeFigureOut">
               <a:rPr lang="en-US" smtClean="0"/>
-              <a:t>6/2/23</a:t>
+              <a:t>6/26/23</a:t>
             </a:fld>
             <a:endParaRPr lang="en-US"/>
           </a:p>
@@ -1865,7 +2302,7 @@
           <a:p>
             <a:fld id="{F7AE9606-689F-2A45-AFD3-4975E0BD38B6}" type="datetimeFigureOut">
               <a:rPr lang="en-US" smtClean="0"/>
-              <a:t>6/2/23</a:t>
+              <a:t>6/26/23</a:t>
             </a:fld>
             <a:endParaRPr lang="en-US"/>
           </a:p>
@@ -2007,7 +2444,7 @@
           <a:p>
             <a:fld id="{F7AE9606-689F-2A45-AFD3-4975E0BD38B6}" type="datetimeFigureOut">
               <a:rPr lang="en-US" smtClean="0"/>
-              <a:t>6/2/23</a:t>
+              <a:t>6/26/23</a:t>
             </a:fld>
             <a:endParaRPr lang="en-US"/>
           </a:p>
@@ -2120,7 +2557,7 @@
           <a:p>
             <a:fld id="{F7AE9606-689F-2A45-AFD3-4975E0BD38B6}" type="datetimeFigureOut">
               <a:rPr lang="en-US" smtClean="0"/>
-              <a:t>6/2/23</a:t>
+              <a:t>6/26/23</a:t>
             </a:fld>
             <a:endParaRPr lang="en-US"/>
           </a:p>
@@ -2433,7 +2870,7 @@
           <a:p>
             <a:fld id="{F7AE9606-689F-2A45-AFD3-4975E0BD38B6}" type="datetimeFigureOut">
               <a:rPr lang="en-US" smtClean="0"/>
-              <a:t>6/2/23</a:t>
+              <a:t>6/26/23</a:t>
             </a:fld>
             <a:endParaRPr lang="en-US"/>
           </a:p>
@@ -2722,7 +3159,7 @@
           <a:p>
             <a:fld id="{F7AE9606-689F-2A45-AFD3-4975E0BD38B6}" type="datetimeFigureOut">
               <a:rPr lang="en-US" smtClean="0"/>
-              <a:t>6/2/23</a:t>
+              <a:t>6/26/23</a:t>
             </a:fld>
             <a:endParaRPr lang="en-US"/>
           </a:p>
@@ -2965,7 +3402,7 @@
           <a:p>
             <a:fld id="{F7AE9606-689F-2A45-AFD3-4975E0BD38B6}" type="datetimeFigureOut">
               <a:rPr lang="en-US" smtClean="0"/>
-              <a:t>6/2/23</a:t>
+              <a:t>6/26/23</a:t>
             </a:fld>
             <a:endParaRPr lang="en-US"/>
           </a:p>
@@ -16379,6 +16816,9 @@
           <a:prstGeom prst="ellipse">
             <a:avLst/>
           </a:prstGeom>
+          <a:solidFill>
+            <a:schemeClr val="accent6"/>
+          </a:solidFill>
         </p:spPr>
         <p:style>
           <a:lnRef idx="2">
@@ -16401,7 +16841,10 @@
           <a:lstStyle/>
           <a:p>
             <a:pPr algn="ctr"/>
-            <a:endParaRPr lang="en-US" dirty="0"/>
+            <a:r>
+              <a:rPr lang="en-US" dirty="0"/>
+              <a:t>a</a:t>
+            </a:r>
           </a:p>
         </p:txBody>
       </p:sp>
@@ -16449,7 +16892,10 @@
           <a:lstStyle/>
           <a:p>
             <a:pPr algn="ctr"/>
-            <a:endParaRPr lang="en-US" dirty="0"/>
+            <a:r>
+              <a:rPr lang="en-US" dirty="0"/>
+              <a:t>b</a:t>
+            </a:r>
           </a:p>
         </p:txBody>
       </p:sp>
@@ -16539,7 +16985,10 @@
           <a:lstStyle/>
           <a:p>
             <a:pPr algn="ctr"/>
-            <a:endParaRPr lang="en-US" dirty="0"/>
+            <a:r>
+              <a:rPr lang="en-US" dirty="0"/>
+              <a:t>c</a:t>
+            </a:r>
           </a:p>
         </p:txBody>
       </p:sp>
@@ -16629,7 +17078,10 @@
           <a:lstStyle/>
           <a:p>
             <a:pPr algn="ctr"/>
-            <a:endParaRPr lang="en-US" dirty="0"/>
+            <a:r>
+              <a:rPr lang="en-US" dirty="0"/>
+              <a:t>b</a:t>
+            </a:r>
           </a:p>
         </p:txBody>
       </p:sp>
@@ -16655,6 +17107,9 @@
           <a:prstGeom prst="ellipse">
             <a:avLst/>
           </a:prstGeom>
+          <a:solidFill>
+            <a:schemeClr val="accent6"/>
+          </a:solidFill>
         </p:spPr>
         <p:style>
           <a:lnRef idx="2">
@@ -16677,7 +17132,10 @@
           <a:lstStyle/>
           <a:p>
             <a:pPr algn="ctr"/>
-            <a:endParaRPr lang="en-US" dirty="0"/>
+            <a:r>
+              <a:rPr lang="en-US" dirty="0"/>
+              <a:t>a</a:t>
+            </a:r>
           </a:p>
         </p:txBody>
       </p:sp>
@@ -16768,7 +17226,10 @@
           <a:lstStyle/>
           <a:p>
             <a:pPr algn="ctr"/>
-            <a:endParaRPr lang="en-US" dirty="0"/>
+            <a:r>
+              <a:rPr lang="en-US" dirty="0"/>
+              <a:t>c</a:t>
+            </a:r>
           </a:p>
         </p:txBody>
       </p:sp>
@@ -16836,6 +17297,9 @@
           <a:prstGeom prst="ellipse">
             <a:avLst/>
           </a:prstGeom>
+          <a:solidFill>
+            <a:schemeClr val="accent6"/>
+          </a:solidFill>
         </p:spPr>
         <p:style>
           <a:lnRef idx="2">
@@ -16858,7 +17322,10 @@
           <a:lstStyle/>
           <a:p>
             <a:pPr algn="ctr"/>
-            <a:endParaRPr lang="en-US" dirty="0"/>
+            <a:r>
+              <a:rPr lang="en-US" dirty="0"/>
+              <a:t>a</a:t>
+            </a:r>
           </a:p>
         </p:txBody>
       </p:sp>
@@ -16906,7 +17373,10 @@
           <a:lstStyle/>
           <a:p>
             <a:pPr algn="ctr"/>
-            <a:endParaRPr lang="en-US" dirty="0"/>
+            <a:r>
+              <a:rPr lang="en-US" dirty="0"/>
+              <a:t>b</a:t>
+            </a:r>
           </a:p>
         </p:txBody>
       </p:sp>
@@ -16996,7 +17466,10 @@
           <a:lstStyle/>
           <a:p>
             <a:pPr algn="ctr"/>
-            <a:endParaRPr lang="en-US" dirty="0"/>
+            <a:r>
+              <a:rPr lang="en-US" dirty="0"/>
+              <a:t>c</a:t>
+            </a:r>
           </a:p>
         </p:txBody>
       </p:sp>
@@ -17114,7 +17587,7 @@
         <p:spPr>
           <a:xfrm>
             <a:off x="7079920" y="3712131"/>
-            <a:ext cx="2059328" cy="461665"/>
+            <a:ext cx="5192870" cy="461665"/>
           </a:xfrm>
           <a:prstGeom prst="rect">
             <a:avLst/>
@@ -17127,6 +17600,11 @@
           </a:bodyPr>
           <a:lstStyle/>
           <a:p>
+            <a:pPr>
+              <a:tabLst>
+                <a:tab pos="2439988" algn="l"/>
+              </a:tabLst>
+            </a:pPr>
             <a:r>
               <a:rPr lang="en-US" sz="2400" dirty="0"/>
               <a:t>O(</a:t>
@@ -17136,11 +17614,11 @@
               <a:t>nd</a:t>
             </a:r>
             <a:r>
-              <a:rPr lang="en-US" sz="3600" baseline="30000" dirty="0"/>
-              <a:t>-</a:t>
-            </a:r>
-            <a:r>
-              <a:rPr lang="en-US" sz="2400" dirty="0"/>
+              <a:rPr lang="en-US" sz="3600" baseline="30000" dirty="0" err="1"/>
+              <a:t>+</a:t>
+            </a:r>
+            <a:r>
+              <a:rPr lang="en-US" sz="2400" dirty="0" err="1"/>
               <a:t>d</a:t>
             </a:r>
             <a:r>
@@ -17149,7 +17627,11 @@
             </a:r>
             <a:r>
               <a:rPr lang="en-US" sz="2400" dirty="0"/>
-              <a:t>)</a:t>
+              <a:t>)     	 </a:t>
+            </a:r>
+            <a:r>
+              <a:rPr lang="en-US" sz="1600" dirty="0"/>
+              <a:t>(avoid overcounting: c &gt; b)</a:t>
             </a:r>
             <a:endParaRPr lang="en-US" sz="2400" baseline="30000" dirty="0"/>
           </a:p>
@@ -17169,8 +17651,8 @@
         </p:nvSpPr>
         <p:spPr>
           <a:xfrm>
-            <a:off x="339433" y="6211484"/>
-            <a:ext cx="10743535" cy="841256"/>
+            <a:off x="564495" y="6087554"/>
+            <a:ext cx="10743535" cy="656590"/>
           </a:xfrm>
           <a:prstGeom prst="rect">
             <a:avLst/>
@@ -17216,39 +17698,39 @@
               <a:t>nd</a:t>
             </a:r>
             <a:r>
+              <a:rPr lang="en-US" sz="2800" baseline="30000" dirty="0" err="1"/>
+              <a:t>+</a:t>
+            </a:r>
+            <a:r>
+              <a:rPr lang="en-US" sz="1800" dirty="0" err="1"/>
+              <a:t>d</a:t>
+            </a:r>
+            <a:r>
+              <a:rPr lang="en-US" sz="2800" baseline="30000" dirty="0"/>
+              <a:t>+</a:t>
+            </a:r>
+            <a:r>
+              <a:rPr lang="en-US" sz="1800" dirty="0"/>
+              <a:t>) + O(</a:t>
+            </a:r>
+            <a:r>
+              <a:rPr lang="en-US" sz="1800" dirty="0" err="1"/>
+              <a:t>nd</a:t>
+            </a:r>
+            <a:r>
+              <a:rPr lang="en-US" sz="2800" baseline="30000" dirty="0" err="1"/>
+              <a:t>+</a:t>
+            </a:r>
+            <a:r>
+              <a:rPr lang="en-US" sz="1800" dirty="0" err="1"/>
+              <a:t>d</a:t>
+            </a:r>
+            <a:r>
               <a:rPr lang="en-US" sz="2800" baseline="30000" dirty="0"/>
               <a:t>-</a:t>
             </a:r>
             <a:r>
               <a:rPr lang="en-US" sz="1800" dirty="0"/>
-              <a:t>d</a:t>
-            </a:r>
-            <a:r>
-              <a:rPr lang="en-US" sz="2800" baseline="30000" dirty="0"/>
-              <a:t>+</a:t>
-            </a:r>
-            <a:r>
-              <a:rPr lang="en-US" sz="1800" dirty="0"/>
-              <a:t>) + O(</a:t>
-            </a:r>
-            <a:r>
-              <a:rPr lang="en-US" sz="1800" dirty="0" err="1"/>
-              <a:t>nd</a:t>
-            </a:r>
-            <a:r>
-              <a:rPr lang="en-US" sz="2800" baseline="30000" dirty="0" err="1"/>
-              <a:t>+</a:t>
-            </a:r>
-            <a:r>
-              <a:rPr lang="en-US" sz="1800" dirty="0" err="1"/>
-              <a:t>d</a:t>
-            </a:r>
-            <a:r>
-              <a:rPr lang="en-US" sz="2800" baseline="30000" dirty="0"/>
-              <a:t>-</a:t>
-            </a:r>
-            <a:r>
-              <a:rPr lang="en-US" sz="1800" dirty="0"/>
               <a:t>)  &lt; O(nd</a:t>
             </a:r>
             <a:r>
@@ -17259,15 +17741,12 @@
               <a:rPr lang="en-US" sz="1800" dirty="0"/>
               <a:t>)</a:t>
             </a:r>
-            <a:endParaRPr lang="en-US" sz="1800" baseline="30000" dirty="0"/>
-          </a:p>
-          <a:p>
-            <a:endParaRPr lang="en-US" sz="1800" baseline="30000" dirty="0"/>
+            <a:endParaRPr lang="en-US" sz="1400" baseline="30000" dirty="0"/>
           </a:p>
           <a:p>
             <a:r>
               <a:rPr lang="en-US" dirty="0"/>
-              <a:t>  </a:t>
+              <a:t> </a:t>
             </a:r>
           </a:p>
         </p:txBody>
@@ -17287,7 +17766,7 @@
         <p:spPr>
           <a:xfrm>
             <a:off x="7079920" y="4978554"/>
-            <a:ext cx="2059328" cy="461665"/>
+            <a:ext cx="5112080" cy="461665"/>
           </a:xfrm>
           <a:prstGeom prst="rect">
             <a:avLst/>
@@ -17300,6 +17779,11 @@
           </a:bodyPr>
           <a:lstStyle/>
           <a:p>
+            <a:pPr>
+              <a:tabLst>
+                <a:tab pos="2439988" algn="l"/>
+              </a:tabLst>
+            </a:pPr>
             <a:r>
               <a:rPr lang="en-US" sz="2400" dirty="0"/>
               <a:t>O(</a:t>
@@ -17322,7 +17806,11 @@
             </a:r>
             <a:r>
               <a:rPr lang="en-US" sz="2400" dirty="0"/>
-              <a:t>)</a:t>
+              <a:t>)	</a:t>
+            </a:r>
+            <a:r>
+              <a:rPr lang="en-US" sz="1600" dirty="0"/>
+              <a:t>(avoid overcounting: a &lt; c)</a:t>
             </a:r>
             <a:endParaRPr lang="en-US" sz="2400" baseline="30000" dirty="0"/>
           </a:p>
@@ -17358,7 +17846,7 @@
           <a:p>
             <a:r>
               <a:rPr lang="en-US" sz="2400" dirty="0"/>
-              <a:t>out-out wedge</a:t>
+              <a:t>in-out wedge</a:t>
             </a:r>
           </a:p>
         </p:txBody>
@@ -17393,7 +17881,7 @@
           <a:p>
             <a:r>
               <a:rPr lang="en-US" sz="2400" dirty="0"/>
-              <a:t>In-Out wedge</a:t>
+              <a:t>out-Out wedge</a:t>
             </a:r>
           </a:p>
         </p:txBody>
@@ -17428,7 +17916,7 @@
           <a:p>
             <a:r>
               <a:rPr lang="en-US" sz="2400" dirty="0"/>
-              <a:t>Out-In wedge</a:t>
+              <a:t>In-in wedge</a:t>
             </a:r>
           </a:p>
         </p:txBody>
@@ -18291,7 +18779,7 @@
           <a:p>
             <a:r>
               <a:rPr lang="en-US" dirty="0"/>
-              <a:t>Types of acyclic triangles</a:t>
+              <a:t>There is only only one type of acyclic triangle</a:t>
             </a:r>
           </a:p>
         </p:txBody>
@@ -18645,7 +19133,10 @@
           <a:lstStyle/>
           <a:p>
             <a:pPr algn="ctr"/>
-            <a:endParaRPr lang="en-US" dirty="0"/>
+            <a:r>
+              <a:rPr lang="en-US" dirty="0"/>
+              <a:t>a</a:t>
+            </a:r>
           </a:p>
         </p:txBody>
       </p:sp>
@@ -18693,7 +19184,10 @@
           <a:lstStyle/>
           <a:p>
             <a:pPr algn="ctr"/>
-            <a:endParaRPr lang="en-US" dirty="0"/>
+            <a:r>
+              <a:rPr lang="en-US" dirty="0"/>
+              <a:t>b</a:t>
+            </a:r>
           </a:p>
         </p:txBody>
       </p:sp>
@@ -18741,7 +19235,10 @@
           <a:lstStyle/>
           <a:p>
             <a:pPr algn="ctr"/>
-            <a:endParaRPr lang="en-US" dirty="0"/>
+            <a:r>
+              <a:rPr lang="en-US" dirty="0"/>
+              <a:t>c</a:t>
+            </a:r>
           </a:p>
         </p:txBody>
       </p:sp>
@@ -18944,7 +19441,7 @@
             <a:avLst/>
           </a:prstGeom>
           <a:solidFill>
-            <a:schemeClr val="accent1"/>
+            <a:schemeClr val="accent6"/>
           </a:solidFill>
         </p:spPr>
         <p:style>
@@ -18968,7 +19465,10 @@
           <a:lstStyle/>
           <a:p>
             <a:pPr algn="ctr"/>
-            <a:endParaRPr lang="en-US" dirty="0"/>
+            <a:r>
+              <a:rPr lang="en-US" dirty="0"/>
+              <a:t>a</a:t>
+            </a:r>
           </a:p>
         </p:txBody>
       </p:sp>
@@ -18995,7 +19495,7 @@
             <a:avLst/>
           </a:prstGeom>
           <a:solidFill>
-            <a:schemeClr val="accent6"/>
+            <a:schemeClr val="accent1"/>
           </a:solidFill>
         </p:spPr>
         <p:style>
@@ -19019,7 +19519,10 @@
           <a:lstStyle/>
           <a:p>
             <a:pPr algn="ctr"/>
-            <a:endParaRPr lang="en-US" dirty="0"/>
+            <a:r>
+              <a:rPr lang="en-US" dirty="0"/>
+              <a:t>b</a:t>
+            </a:r>
           </a:p>
         </p:txBody>
       </p:sp>
@@ -19067,7 +19570,10 @@
           <a:lstStyle/>
           <a:p>
             <a:pPr algn="ctr"/>
-            <a:endParaRPr lang="en-US" dirty="0"/>
+            <a:r>
+              <a:rPr lang="en-US" dirty="0"/>
+              <a:t>c</a:t>
+            </a:r>
           </a:p>
         </p:txBody>
       </p:sp>
@@ -19271,7 +19777,7 @@
             <a:avLst/>
           </a:prstGeom>
           <a:solidFill>
-            <a:schemeClr val="accent1"/>
+            <a:schemeClr val="accent6"/>
           </a:solidFill>
         </p:spPr>
         <p:style>
@@ -19295,7 +19801,10 @@
           <a:lstStyle/>
           <a:p>
             <a:pPr algn="ctr"/>
-            <a:endParaRPr lang="en-US" dirty="0"/>
+            <a:r>
+              <a:rPr lang="en-US" dirty="0"/>
+              <a:t>a</a:t>
+            </a:r>
           </a:p>
         </p:txBody>
       </p:sp>
@@ -19346,7 +19855,10 @@
           <a:lstStyle/>
           <a:p>
             <a:pPr algn="ctr"/>
-            <a:endParaRPr lang="en-US" dirty="0"/>
+            <a:r>
+              <a:rPr lang="en-US" dirty="0"/>
+              <a:t>b</a:t>
+            </a:r>
           </a:p>
         </p:txBody>
       </p:sp>
@@ -19373,7 +19885,7 @@
             <a:avLst/>
           </a:prstGeom>
           <a:solidFill>
-            <a:schemeClr val="accent6"/>
+            <a:schemeClr val="accent1"/>
           </a:solidFill>
         </p:spPr>
         <p:style>
@@ -19397,7 +19909,10 @@
           <a:lstStyle/>
           <a:p>
             <a:pPr algn="ctr"/>
-            <a:endParaRPr lang="en-US" dirty="0"/>
+            <a:r>
+              <a:rPr lang="en-US" dirty="0"/>
+              <a:t>c</a:t>
+            </a:r>
           </a:p>
         </p:txBody>
       </p:sp>
@@ -19819,7 +20334,10 @@
           <a:lstStyle/>
           <a:p>
             <a:pPr algn="ctr"/>
-            <a:endParaRPr lang="en-US" dirty="0"/>
+            <a:r>
+              <a:rPr lang="en-US" dirty="0"/>
+              <a:t>a</a:t>
+            </a:r>
           </a:p>
         </p:txBody>
       </p:sp>
@@ -19867,7 +20385,10 @@
           <a:lstStyle/>
           <a:p>
             <a:pPr algn="ctr"/>
-            <a:endParaRPr lang="en-US" dirty="0"/>
+            <a:r>
+              <a:rPr lang="en-US" dirty="0"/>
+              <a:t>b</a:t>
+            </a:r>
           </a:p>
         </p:txBody>
       </p:sp>
@@ -19915,7 +20436,10 @@
           <a:lstStyle/>
           <a:p>
             <a:pPr algn="ctr"/>
-            <a:endParaRPr lang="en-US" dirty="0"/>
+            <a:r>
+              <a:rPr lang="en-US" dirty="0"/>
+              <a:t>c</a:t>
+            </a:r>
           </a:p>
         </p:txBody>
       </p:sp>
@@ -20142,7 +20666,10 @@
           <a:lstStyle/>
           <a:p>
             <a:pPr algn="ctr"/>
-            <a:endParaRPr lang="en-US" dirty="0"/>
+            <a:r>
+              <a:rPr lang="en-US" dirty="0"/>
+              <a:t>a</a:t>
+            </a:r>
           </a:p>
         </p:txBody>
       </p:sp>
@@ -20193,7 +20720,10 @@
           <a:lstStyle/>
           <a:p>
             <a:pPr algn="ctr"/>
-            <a:endParaRPr lang="en-US" dirty="0"/>
+            <a:r>
+              <a:rPr lang="en-US" dirty="0"/>
+              <a:t>b</a:t>
+            </a:r>
           </a:p>
         </p:txBody>
       </p:sp>
@@ -20241,7 +20771,10 @@
           <a:lstStyle/>
           <a:p>
             <a:pPr algn="ctr"/>
-            <a:endParaRPr lang="en-US" dirty="0"/>
+            <a:r>
+              <a:rPr lang="en-US" dirty="0"/>
+              <a:t>c</a:t>
+            </a:r>
           </a:p>
         </p:txBody>
       </p:sp>
@@ -20469,7 +21002,10 @@
           <a:lstStyle/>
           <a:p>
             <a:pPr algn="ctr"/>
-            <a:endParaRPr lang="en-US" dirty="0"/>
+            <a:r>
+              <a:rPr lang="en-US" dirty="0"/>
+              <a:t>b</a:t>
+            </a:r>
           </a:p>
         </p:txBody>
       </p:sp>
@@ -20520,7 +21056,10 @@
           <a:lstStyle/>
           <a:p>
             <a:pPr algn="ctr"/>
-            <a:endParaRPr lang="en-US" dirty="0"/>
+            <a:r>
+              <a:rPr lang="en-US" dirty="0"/>
+              <a:t>c</a:t>
+            </a:r>
           </a:p>
         </p:txBody>
       </p:sp>
@@ -20571,7 +21110,10 @@
           <a:lstStyle/>
           <a:p>
             <a:pPr algn="ctr"/>
-            <a:endParaRPr lang="en-US" dirty="0"/>
+            <a:r>
+              <a:rPr lang="en-US" dirty="0"/>
+              <a:t>a</a:t>
+            </a:r>
           </a:p>
         </p:txBody>
       </p:sp>
@@ -20876,7 +21418,7 @@
         <p:spPr>
           <a:xfrm>
             <a:off x="2034599" y="5924529"/>
-            <a:ext cx="2059328" cy="461665"/>
+            <a:ext cx="2471300" cy="954107"/>
           </a:xfrm>
           <a:prstGeom prst="rect">
             <a:avLst/>
@@ -20891,11 +21433,11 @@
           <a:p>
             <a:r>
               <a:rPr lang="en-US" sz="2400" dirty="0"/>
-              <a:t>O(</a:t>
+              <a:t>O(n(</a:t>
             </a:r>
             <a:r>
               <a:rPr lang="en-US" sz="2400" dirty="0" err="1"/>
-              <a:t>nd</a:t>
+              <a:t>d</a:t>
             </a:r>
             <a:r>
               <a:rPr lang="en-US" sz="3600" baseline="30000" dirty="0" err="1"/>
@@ -20911,9 +21453,17 @@
             </a:r>
             <a:r>
               <a:rPr lang="en-US" sz="2400" dirty="0"/>
-              <a:t>)</a:t>
-            </a:r>
+              <a:t>/2))</a:t>
+            </a:r>
+          </a:p>
+          <a:p>
             <a:endParaRPr lang="en-US" sz="2400" baseline="30000" dirty="0"/>
+          </a:p>
+          <a:p>
+            <a:r>
+              <a:rPr lang="en-US" sz="2400" baseline="30000" dirty="0"/>
+              <a:t>Avoid overcounting (c &gt; b)</a:t>
+            </a:r>
           </a:p>
         </p:txBody>
       </p:sp>
@@ -20954,11 +21504,11 @@
               <a:t>nd</a:t>
             </a:r>
             <a:r>
-              <a:rPr lang="en-US" sz="3600" baseline="30000" dirty="0"/>
-              <a:t>-</a:t>
-            </a:r>
-            <a:r>
-              <a:rPr lang="en-US" sz="2400" dirty="0"/>
+              <a:rPr lang="en-US" sz="3600" baseline="30000" dirty="0" err="1"/>
+              <a:t>+</a:t>
+            </a:r>
+            <a:r>
+              <a:rPr lang="en-US" sz="2400" dirty="0" err="1"/>
               <a:t>d</a:t>
             </a:r>
             <a:r>
@@ -32511,4 +33061,299 @@
     </a:ext>
   </a:extLst>
 </a:theme>
+</file>
+
+<file path=ppt/theme/theme2.xml><?xml version="1.0" encoding="utf-8"?>
+<a:theme xmlns:a="http://schemas.openxmlformats.org/drawingml/2006/main" name="Office Theme">
+  <a:themeElements>
+    <a:clrScheme name="Office">
+      <a:dk1>
+        <a:sysClr val="windowText" lastClr="000000"/>
+      </a:dk1>
+      <a:lt1>
+        <a:sysClr val="window" lastClr="FFFFFF"/>
+      </a:lt1>
+      <a:dk2>
+        <a:srgbClr val="44546A"/>
+      </a:dk2>
+      <a:lt2>
+        <a:srgbClr val="E7E6E6"/>
+      </a:lt2>
+      <a:accent1>
+        <a:srgbClr val="4472C4"/>
+      </a:accent1>
+      <a:accent2>
+        <a:srgbClr val="ED7D31"/>
+      </a:accent2>
+      <a:accent3>
+        <a:srgbClr val="A5A5A5"/>
+      </a:accent3>
+      <a:accent4>
+        <a:srgbClr val="FFC000"/>
+      </a:accent4>
+      <a:accent5>
+        <a:srgbClr val="5B9BD5"/>
+      </a:accent5>
+      <a:accent6>
+        <a:srgbClr val="70AD47"/>
+      </a:accent6>
+      <a:hlink>
+        <a:srgbClr val="0563C1"/>
+      </a:hlink>
+      <a:folHlink>
+        <a:srgbClr val="954F72"/>
+      </a:folHlink>
+    </a:clrScheme>
+    <a:fontScheme name="Office">
+      <a:majorFont>
+        <a:latin typeface="Calibri Light" panose="020F0302020204030204"/>
+        <a:ea typeface=""/>
+        <a:cs typeface=""/>
+        <a:font script="Jpan" typeface="游ゴシック Light"/>
+        <a:font script="Hang" typeface="맑은 고딕"/>
+        <a:font script="Hans" typeface="等线 Light"/>
+        <a:font script="Hant" typeface="新細明體"/>
+        <a:font script="Arab" typeface="Times New Roman"/>
+        <a:font script="Hebr" typeface="Times New Roman"/>
+        <a:font script="Thai" typeface="Angsana New"/>
+        <a:font script="Ethi" typeface="Nyala"/>
+        <a:font script="Beng" typeface="Vrinda"/>
+        <a:font script="Gujr" typeface="Shruti"/>
+        <a:font script="Khmr" typeface="MoolBoran"/>
+        <a:font script="Knda" typeface="Tunga"/>
+        <a:font script="Guru" typeface="Raavi"/>
+        <a:font script="Cans" typeface="Euphemia"/>
+        <a:font script="Cher" typeface="Plantagenet Cherokee"/>
+        <a:font script="Yiii" typeface="Microsoft Yi Baiti"/>
+        <a:font script="Tibt" typeface="Microsoft Himalaya"/>
+        <a:font script="Thaa" typeface="MV Boli"/>
+        <a:font script="Deva" typeface="Mangal"/>
+        <a:font script="Telu" typeface="Gautami"/>
+        <a:font script="Taml" typeface="Latha"/>
+        <a:font script="Syrc" typeface="Estrangelo Edessa"/>
+        <a:font script="Orya" typeface="Kalinga"/>
+        <a:font script="Mlym" typeface="Kartika"/>
+        <a:font script="Laoo" typeface="DokChampa"/>
+        <a:font script="Sinh" typeface="Iskoola Pota"/>
+        <a:font script="Mong" typeface="Mongolian Baiti"/>
+        <a:font script="Viet" typeface="Times New Roman"/>
+        <a:font script="Uigh" typeface="Microsoft Uighur"/>
+        <a:font script="Geor" typeface="Sylfaen"/>
+        <a:font script="Armn" typeface="Arial"/>
+        <a:font script="Bugi" typeface="Leelawadee UI"/>
+        <a:font script="Bopo" typeface="Microsoft JhengHei"/>
+        <a:font script="Java" typeface="Javanese Text"/>
+        <a:font script="Lisu" typeface="Segoe UI"/>
+        <a:font script="Mymr" typeface="Myanmar Text"/>
+        <a:font script="Nkoo" typeface="Ebrima"/>
+        <a:font script="Olck" typeface="Nirmala UI"/>
+        <a:font script="Osma" typeface="Ebrima"/>
+        <a:font script="Phag" typeface="Phagspa"/>
+        <a:font script="Syrn" typeface="Estrangelo Edessa"/>
+        <a:font script="Syrj" typeface="Estrangelo Edessa"/>
+        <a:font script="Syre" typeface="Estrangelo Edessa"/>
+        <a:font script="Sora" typeface="Nirmala UI"/>
+        <a:font script="Tale" typeface="Microsoft Tai Le"/>
+        <a:font script="Talu" typeface="Microsoft New Tai Lue"/>
+        <a:font script="Tfng" typeface="Ebrima"/>
+      </a:majorFont>
+      <a:minorFont>
+        <a:latin typeface="Calibri" panose="020F0502020204030204"/>
+        <a:ea typeface=""/>
+        <a:cs typeface=""/>
+        <a:font script="Jpan" typeface="游ゴシック"/>
+        <a:font script="Hang" typeface="맑은 고딕"/>
+        <a:font script="Hans" typeface="等线"/>
+        <a:font script="Hant" typeface="新細明體"/>
+        <a:font script="Arab" typeface="Arial"/>
+        <a:font script="Hebr" typeface="Arial"/>
+        <a:font script="Thai" typeface="Cordia New"/>
+        <a:font script="Ethi" typeface="Nyala"/>
+        <a:font script="Beng" typeface="Vrinda"/>
+        <a:font script="Gujr" typeface="Shruti"/>
+        <a:font script="Khmr" typeface="DaunPenh"/>
+        <a:font script="Knda" typeface="Tunga"/>
+        <a:font script="Guru" typeface="Raavi"/>
+        <a:font script="Cans" typeface="Euphemia"/>
+        <a:font script="Cher" typeface="Plantagenet Cherokee"/>
+        <a:font script="Yiii" typeface="Microsoft Yi Baiti"/>
+        <a:font script="Tibt" typeface="Microsoft Himalaya"/>
+        <a:font script="Thaa" typeface="MV Boli"/>
+        <a:font script="Deva" typeface="Mangal"/>
+        <a:font script="Telu" typeface="Gautami"/>
+        <a:font script="Taml" typeface="Latha"/>
+        <a:font script="Syrc" typeface="Estrangelo Edessa"/>
+        <a:font script="Orya" typeface="Kalinga"/>
+        <a:font script="Mlym" typeface="Kartika"/>
+        <a:font script="Laoo" typeface="DokChampa"/>
+        <a:font script="Sinh" typeface="Iskoola Pota"/>
+        <a:font script="Mong" typeface="Mongolian Baiti"/>
+        <a:font script="Viet" typeface="Arial"/>
+        <a:font script="Uigh" typeface="Microsoft Uighur"/>
+        <a:font script="Geor" typeface="Sylfaen"/>
+        <a:font script="Armn" typeface="Arial"/>
+        <a:font script="Bugi" typeface="Leelawadee UI"/>
+        <a:font script="Bopo" typeface="Microsoft JhengHei"/>
+        <a:font script="Java" typeface="Javanese Text"/>
+        <a:font script="Lisu" typeface="Segoe UI"/>
+        <a:font script="Mymr" typeface="Myanmar Text"/>
+        <a:font script="Nkoo" typeface="Ebrima"/>
+        <a:font script="Olck" typeface="Nirmala UI"/>
+        <a:font script="Osma" typeface="Ebrima"/>
+        <a:font script="Phag" typeface="Phagspa"/>
+        <a:font script="Syrn" typeface="Estrangelo Edessa"/>
+        <a:font script="Syrj" typeface="Estrangelo Edessa"/>
+        <a:font script="Syre" typeface="Estrangelo Edessa"/>
+        <a:font script="Sora" typeface="Nirmala UI"/>
+        <a:font script="Tale" typeface="Microsoft Tai Le"/>
+        <a:font script="Talu" typeface="Microsoft New Tai Lue"/>
+        <a:font script="Tfng" typeface="Ebrima"/>
+      </a:minorFont>
+    </a:fontScheme>
+    <a:fmtScheme name="Office">
+      <a:fillStyleLst>
+        <a:solidFill>
+          <a:schemeClr val="phClr"/>
+        </a:solidFill>
+        <a:gradFill rotWithShape="1">
+          <a:gsLst>
+            <a:gs pos="0">
+              <a:schemeClr val="phClr">
+                <a:lumMod val="110000"/>
+                <a:satMod val="105000"/>
+                <a:tint val="67000"/>
+              </a:schemeClr>
+            </a:gs>
+            <a:gs pos="50000">
+              <a:schemeClr val="phClr">
+                <a:lumMod val="105000"/>
+                <a:satMod val="103000"/>
+                <a:tint val="73000"/>
+              </a:schemeClr>
+            </a:gs>
+            <a:gs pos="100000">
+              <a:schemeClr val="phClr">
+                <a:lumMod val="105000"/>
+                <a:satMod val="109000"/>
+                <a:tint val="81000"/>
+              </a:schemeClr>
+            </a:gs>
+          </a:gsLst>
+          <a:lin ang="5400000" scaled="0"/>
+        </a:gradFill>
+        <a:gradFill rotWithShape="1">
+          <a:gsLst>
+            <a:gs pos="0">
+              <a:schemeClr val="phClr">
+                <a:satMod val="103000"/>
+                <a:lumMod val="102000"/>
+                <a:tint val="94000"/>
+              </a:schemeClr>
+            </a:gs>
+            <a:gs pos="50000">
+              <a:schemeClr val="phClr">
+                <a:satMod val="110000"/>
+                <a:lumMod val="100000"/>
+                <a:shade val="100000"/>
+              </a:schemeClr>
+            </a:gs>
+            <a:gs pos="100000">
+              <a:schemeClr val="phClr">
+                <a:lumMod val="99000"/>
+                <a:satMod val="120000"/>
+                <a:shade val="78000"/>
+              </a:schemeClr>
+            </a:gs>
+          </a:gsLst>
+          <a:lin ang="5400000" scaled="0"/>
+        </a:gradFill>
+      </a:fillStyleLst>
+      <a:lnStyleLst>
+        <a:ln w="6350" cap="flat" cmpd="sng" algn="ctr">
+          <a:solidFill>
+            <a:schemeClr val="phClr"/>
+          </a:solidFill>
+          <a:prstDash val="solid"/>
+          <a:miter lim="800000"/>
+        </a:ln>
+        <a:ln w="12700" cap="flat" cmpd="sng" algn="ctr">
+          <a:solidFill>
+            <a:schemeClr val="phClr"/>
+          </a:solidFill>
+          <a:prstDash val="solid"/>
+          <a:miter lim="800000"/>
+        </a:ln>
+        <a:ln w="19050" cap="flat" cmpd="sng" algn="ctr">
+          <a:solidFill>
+            <a:schemeClr val="phClr"/>
+          </a:solidFill>
+          <a:prstDash val="solid"/>
+          <a:miter lim="800000"/>
+        </a:ln>
+      </a:lnStyleLst>
+      <a:effectStyleLst>
+        <a:effectStyle>
+          <a:effectLst/>
+        </a:effectStyle>
+        <a:effectStyle>
+          <a:effectLst/>
+        </a:effectStyle>
+        <a:effectStyle>
+          <a:effectLst>
+            <a:outerShdw blurRad="57150" dist="19050" dir="5400000" algn="ctr" rotWithShape="0">
+              <a:srgbClr val="000000">
+                <a:alpha val="63000"/>
+              </a:srgbClr>
+            </a:outerShdw>
+          </a:effectLst>
+        </a:effectStyle>
+      </a:effectStyleLst>
+      <a:bgFillStyleLst>
+        <a:solidFill>
+          <a:schemeClr val="phClr"/>
+        </a:solidFill>
+        <a:solidFill>
+          <a:schemeClr val="phClr">
+            <a:tint val="95000"/>
+            <a:satMod val="170000"/>
+          </a:schemeClr>
+        </a:solidFill>
+        <a:gradFill rotWithShape="1">
+          <a:gsLst>
+            <a:gs pos="0">
+              <a:schemeClr val="phClr">
+                <a:tint val="93000"/>
+                <a:satMod val="150000"/>
+                <a:shade val="98000"/>
+                <a:lumMod val="102000"/>
+              </a:schemeClr>
+            </a:gs>
+            <a:gs pos="50000">
+              <a:schemeClr val="phClr">
+                <a:tint val="98000"/>
+                <a:satMod val="130000"/>
+                <a:shade val="90000"/>
+                <a:lumMod val="103000"/>
+              </a:schemeClr>
+            </a:gs>
+            <a:gs pos="100000">
+              <a:schemeClr val="phClr">
+                <a:shade val="63000"/>
+                <a:satMod val="120000"/>
+              </a:schemeClr>
+            </a:gs>
+          </a:gsLst>
+          <a:lin ang="5400000" scaled="0"/>
+        </a:gradFill>
+      </a:bgFillStyleLst>
+    </a:fmtScheme>
+  </a:themeElements>
+  <a:objectDefaults/>
+  <a:extraClrSchemeLst/>
+  <a:extLst>
+    <a:ext uri="{05A4C25C-085E-4340-85A3-A5531E510DB2}">
+      <thm15:themeFamily xmlns:thm15="http://schemas.microsoft.com/office/thememl/2012/main" name="Office Theme" id="{62F939B6-93AF-4DB8-9C6B-D6C7DFDC589F}" vid="{4A3C46E8-61CC-4603-A589-7422A47A8E4A}"/>
+    </a:ext>
+  </a:extLst>
+</a:theme>
 </file>
--- a/presentation.pptx
+++ b/presentation.pptx
@@ -19109,7 +19109,7 @@
             <a:avLst/>
           </a:prstGeom>
           <a:solidFill>
-            <a:schemeClr val="accent6"/>
+            <a:schemeClr val="accent1"/>
           </a:solidFill>
         </p:spPr>
         <p:style>
@@ -19441,7 +19441,7 @@
             <a:avLst/>
           </a:prstGeom>
           <a:solidFill>
-            <a:schemeClr val="accent6"/>
+            <a:schemeClr val="accent1"/>
           </a:solidFill>
         </p:spPr>
         <p:style>
@@ -19777,7 +19777,7 @@
             <a:avLst/>
           </a:prstGeom>
           <a:solidFill>
-            <a:schemeClr val="accent6"/>
+            <a:schemeClr val="accent1"/>
           </a:solidFill>
         </p:spPr>
         <p:style>
@@ -20621,342 +20621,6 @@
       </p:sp>
       <p:sp>
         <p:nvSpPr>
-          <p:cNvPr id="11" name="Oval 10">
-            <a:extLst>
-              <a:ext uri="{FF2B5EF4-FFF2-40B4-BE49-F238E27FC236}">
-                <a16:creationId xmlns:a16="http://schemas.microsoft.com/office/drawing/2014/main" id="{2433C4F7-A1B8-792B-4871-3632D807C690}"/>
-              </a:ext>
-            </a:extLst>
-          </p:cNvPr>
-          <p:cNvSpPr>
-            <a:spLocks noChangeAspect="1"/>
-          </p:cNvSpPr>
-          <p:nvPr/>
-        </p:nvSpPr>
-        <p:spPr>
-          <a:xfrm>
-            <a:off x="4977120" y="3815465"/>
-            <a:ext cx="720000" cy="720000"/>
-          </a:xfrm>
-          <a:prstGeom prst="ellipse">
-            <a:avLst/>
-          </a:prstGeom>
-          <a:solidFill>
-            <a:schemeClr val="accent1"/>
-          </a:solidFill>
-        </p:spPr>
-        <p:style>
-          <a:lnRef idx="2">
-            <a:schemeClr val="accent1">
-              <a:shade val="15000"/>
-            </a:schemeClr>
-          </a:lnRef>
-          <a:fillRef idx="1">
-            <a:schemeClr val="accent1"/>
-          </a:fillRef>
-          <a:effectRef idx="0">
-            <a:schemeClr val="accent1"/>
-          </a:effectRef>
-          <a:fontRef idx="minor">
-            <a:schemeClr val="lt1"/>
-          </a:fontRef>
-        </p:style>
-        <p:txBody>
-          <a:bodyPr rtlCol="0" anchor="ctr"/>
-          <a:lstStyle/>
-          <a:p>
-            <a:pPr algn="ctr"/>
-            <a:r>
-              <a:rPr lang="en-US" dirty="0"/>
-              <a:t>a</a:t>
-            </a:r>
-          </a:p>
-        </p:txBody>
-      </p:sp>
-      <p:sp>
-        <p:nvSpPr>
-          <p:cNvPr id="12" name="Oval 11">
-            <a:extLst>
-              <a:ext uri="{FF2B5EF4-FFF2-40B4-BE49-F238E27FC236}">
-                <a16:creationId xmlns:a16="http://schemas.microsoft.com/office/drawing/2014/main" id="{1FFF0CAC-B70D-E0EF-2136-22E3AB2BD422}"/>
-              </a:ext>
-            </a:extLst>
-          </p:cNvPr>
-          <p:cNvSpPr>
-            <a:spLocks noChangeAspect="1"/>
-          </p:cNvSpPr>
-          <p:nvPr/>
-        </p:nvSpPr>
-        <p:spPr>
-          <a:xfrm>
-            <a:off x="6374783" y="2734446"/>
-            <a:ext cx="720000" cy="720000"/>
-          </a:xfrm>
-          <a:prstGeom prst="ellipse">
-            <a:avLst/>
-          </a:prstGeom>
-          <a:solidFill>
-            <a:schemeClr val="accent6"/>
-          </a:solidFill>
-        </p:spPr>
-        <p:style>
-          <a:lnRef idx="2">
-            <a:schemeClr val="accent1">
-              <a:shade val="15000"/>
-            </a:schemeClr>
-          </a:lnRef>
-          <a:fillRef idx="1">
-            <a:schemeClr val="accent1"/>
-          </a:fillRef>
-          <a:effectRef idx="0">
-            <a:schemeClr val="accent1"/>
-          </a:effectRef>
-          <a:fontRef idx="minor">
-            <a:schemeClr val="lt1"/>
-          </a:fontRef>
-        </p:style>
-        <p:txBody>
-          <a:bodyPr rtlCol="0" anchor="ctr"/>
-          <a:lstStyle/>
-          <a:p>
-            <a:pPr algn="ctr"/>
-            <a:r>
-              <a:rPr lang="en-US" dirty="0"/>
-              <a:t>b</a:t>
-            </a:r>
-          </a:p>
-        </p:txBody>
-      </p:sp>
-      <p:sp>
-        <p:nvSpPr>
-          <p:cNvPr id="13" name="Oval 12">
-            <a:extLst>
-              <a:ext uri="{FF2B5EF4-FFF2-40B4-BE49-F238E27FC236}">
-                <a16:creationId xmlns:a16="http://schemas.microsoft.com/office/drawing/2014/main" id="{8C600FF4-C673-7633-C7A0-B38E82EC5248}"/>
-              </a:ext>
-            </a:extLst>
-          </p:cNvPr>
-          <p:cNvSpPr>
-            <a:spLocks noChangeAspect="1"/>
-          </p:cNvSpPr>
-          <p:nvPr/>
-        </p:nvSpPr>
-        <p:spPr>
-          <a:xfrm>
-            <a:off x="6374783" y="4927393"/>
-            <a:ext cx="720000" cy="720000"/>
-          </a:xfrm>
-          <a:prstGeom prst="ellipse">
-            <a:avLst/>
-          </a:prstGeom>
-        </p:spPr>
-        <p:style>
-          <a:lnRef idx="2">
-            <a:schemeClr val="accent1">
-              <a:shade val="15000"/>
-            </a:schemeClr>
-          </a:lnRef>
-          <a:fillRef idx="1">
-            <a:schemeClr val="accent1"/>
-          </a:fillRef>
-          <a:effectRef idx="0">
-            <a:schemeClr val="accent1"/>
-          </a:effectRef>
-          <a:fontRef idx="minor">
-            <a:schemeClr val="lt1"/>
-          </a:fontRef>
-        </p:style>
-        <p:txBody>
-          <a:bodyPr rtlCol="0" anchor="ctr"/>
-          <a:lstStyle/>
-          <a:p>
-            <a:pPr algn="ctr"/>
-            <a:r>
-              <a:rPr lang="en-US" dirty="0"/>
-              <a:t>c</a:t>
-            </a:r>
-          </a:p>
-        </p:txBody>
-      </p:sp>
-      <p:cxnSp>
-        <p:nvCxnSpPr>
-          <p:cNvPr id="14" name="Straight Connector 13">
-            <a:extLst>
-              <a:ext uri="{FF2B5EF4-FFF2-40B4-BE49-F238E27FC236}">
-                <a16:creationId xmlns:a16="http://schemas.microsoft.com/office/drawing/2014/main" id="{7A50C19F-59F8-D8FD-D632-33CA957ABEB1}"/>
-              </a:ext>
-            </a:extLst>
-          </p:cNvPr>
-          <p:cNvCxnSpPr>
-            <a:cxnSpLocks/>
-            <a:stCxn id="11" idx="7"/>
-            <a:endCxn id="12" idx="3"/>
-          </p:cNvCxnSpPr>
-          <p:nvPr/>
-        </p:nvCxnSpPr>
-        <p:spPr>
-          <a:xfrm flipV="1">
-            <a:off x="5591678" y="3349004"/>
-            <a:ext cx="888547" cy="571903"/>
-          </a:xfrm>
-          <a:prstGeom prst="line">
-            <a:avLst/>
-          </a:prstGeom>
-          <a:ln w="25400">
-            <a:solidFill>
-              <a:schemeClr val="accent6"/>
-            </a:solidFill>
-            <a:headEnd type="none"/>
-            <a:tailEnd type="triangle" w="lg" len="lg"/>
-          </a:ln>
-        </p:spPr>
-        <p:style>
-          <a:lnRef idx="1">
-            <a:schemeClr val="accent1"/>
-          </a:lnRef>
-          <a:fillRef idx="0">
-            <a:schemeClr val="accent1"/>
-          </a:fillRef>
-          <a:effectRef idx="0">
-            <a:schemeClr val="accent1"/>
-          </a:effectRef>
-          <a:fontRef idx="minor">
-            <a:schemeClr val="tx1"/>
-          </a:fontRef>
-        </p:style>
-      </p:cxnSp>
-      <p:cxnSp>
-        <p:nvCxnSpPr>
-          <p:cNvPr id="15" name="Straight Connector 14">
-            <a:extLst>
-              <a:ext uri="{FF2B5EF4-FFF2-40B4-BE49-F238E27FC236}">
-                <a16:creationId xmlns:a16="http://schemas.microsoft.com/office/drawing/2014/main" id="{BD546BAF-EFBF-E924-1E34-9F09D45AE0E3}"/>
-              </a:ext>
-            </a:extLst>
-          </p:cNvPr>
-          <p:cNvCxnSpPr>
-            <a:stCxn id="11" idx="5"/>
-            <a:endCxn id="13" idx="1"/>
-          </p:cNvCxnSpPr>
-          <p:nvPr/>
-        </p:nvCxnSpPr>
-        <p:spPr>
-          <a:xfrm>
-            <a:off x="5591678" y="4430023"/>
-            <a:ext cx="888547" cy="602812"/>
-          </a:xfrm>
-          <a:prstGeom prst="line">
-            <a:avLst/>
-          </a:prstGeom>
-          <a:ln w="25400">
-            <a:solidFill>
-              <a:schemeClr val="tx1">
-                <a:lumMod val="50000"/>
-                <a:lumOff val="50000"/>
-              </a:schemeClr>
-            </a:solidFill>
-            <a:prstDash val="sysDot"/>
-            <a:tailEnd type="triangle" w="lg" len="lg"/>
-          </a:ln>
-        </p:spPr>
-        <p:style>
-          <a:lnRef idx="1">
-            <a:schemeClr val="accent1"/>
-          </a:lnRef>
-          <a:fillRef idx="0">
-            <a:schemeClr val="accent1"/>
-          </a:fillRef>
-          <a:effectRef idx="0">
-            <a:schemeClr val="accent1"/>
-          </a:effectRef>
-          <a:fontRef idx="minor">
-            <a:schemeClr val="tx1"/>
-          </a:fontRef>
-        </p:style>
-      </p:cxnSp>
-      <p:cxnSp>
-        <p:nvCxnSpPr>
-          <p:cNvPr id="16" name="Straight Connector 15">
-            <a:extLst>
-              <a:ext uri="{FF2B5EF4-FFF2-40B4-BE49-F238E27FC236}">
-                <a16:creationId xmlns:a16="http://schemas.microsoft.com/office/drawing/2014/main" id="{860F3034-FEDD-C87C-03A3-CF8B4F204D50}"/>
-              </a:ext>
-            </a:extLst>
-          </p:cNvPr>
-          <p:cNvCxnSpPr>
-            <a:stCxn id="12" idx="4"/>
-            <a:endCxn id="13" idx="0"/>
-          </p:cNvCxnSpPr>
-          <p:nvPr/>
-        </p:nvCxnSpPr>
-        <p:spPr>
-          <a:xfrm>
-            <a:off x="6734783" y="3454446"/>
-            <a:ext cx="0" cy="1472947"/>
-          </a:xfrm>
-          <a:prstGeom prst="line">
-            <a:avLst/>
-          </a:prstGeom>
-          <a:ln w="25400">
-            <a:solidFill>
-              <a:schemeClr val="accent6"/>
-            </a:solidFill>
-            <a:prstDash val="solid"/>
-            <a:tailEnd type="triangle" w="lg" len="lg"/>
-          </a:ln>
-        </p:spPr>
-        <p:style>
-          <a:lnRef idx="1">
-            <a:schemeClr val="accent1"/>
-          </a:lnRef>
-          <a:fillRef idx="0">
-            <a:schemeClr val="accent1"/>
-          </a:fillRef>
-          <a:effectRef idx="0">
-            <a:schemeClr val="accent1"/>
-          </a:effectRef>
-          <a:fontRef idx="minor">
-            <a:schemeClr val="tx1"/>
-          </a:fontRef>
-        </p:style>
-      </p:cxnSp>
-      <p:sp>
-        <p:nvSpPr>
-          <p:cNvPr id="17" name="TextBox 16">
-            <a:extLst>
-              <a:ext uri="{FF2B5EF4-FFF2-40B4-BE49-F238E27FC236}">
-                <a16:creationId xmlns:a16="http://schemas.microsoft.com/office/drawing/2014/main" id="{FBDFDABB-B8D0-D53C-EB7D-778AD5406748}"/>
-              </a:ext>
-            </a:extLst>
-          </p:cNvPr>
-          <p:cNvSpPr txBox="1"/>
-          <p:nvPr/>
-        </p:nvSpPr>
-        <p:spPr>
-          <a:xfrm>
-            <a:off x="5591678" y="4817260"/>
-            <a:ext cx="933856" cy="369332"/>
-          </a:xfrm>
-          <a:prstGeom prst="rect">
-            <a:avLst/>
-          </a:prstGeom>
-          <a:noFill/>
-        </p:spPr>
-        <p:txBody>
-          <a:bodyPr wrap="square" rtlCol="0">
-            <a:spAutoFit/>
-          </a:bodyPr>
-          <a:lstStyle/>
-          <a:p>
-            <a:r>
-              <a:rPr lang="en-US" dirty="0"/>
-              <a:t>?</a:t>
-            </a:r>
-          </a:p>
-        </p:txBody>
-      </p:sp>
-      <p:sp>
-        <p:nvSpPr>
           <p:cNvPr id="18" name="Oval 17">
             <a:extLst>
               <a:ext uri="{FF2B5EF4-FFF2-40B4-BE49-F238E27FC236}">
@@ -21560,11 +21224,11 @@
               <a:t>nd</a:t>
             </a:r>
             <a:r>
-              <a:rPr lang="en-US" sz="3600" baseline="30000" dirty="0"/>
-              <a:t>-</a:t>
-            </a:r>
-            <a:r>
-              <a:rPr lang="en-US" sz="2400" dirty="0"/>
+              <a:rPr lang="en-US" sz="3600" baseline="30000" dirty="0" err="1"/>
+              <a:t>+</a:t>
+            </a:r>
+            <a:r>
+              <a:rPr lang="en-US" sz="2400" dirty="0" err="1"/>
               <a:t>d</a:t>
             </a:r>
             <a:r>
@@ -21581,10 +21245,10 @@
       </p:sp>
       <p:sp>
         <p:nvSpPr>
-          <p:cNvPr id="32" name="Multiply 31">
-            <a:extLst>
-              <a:ext uri="{FF2B5EF4-FFF2-40B4-BE49-F238E27FC236}">
-                <a16:creationId xmlns:a16="http://schemas.microsoft.com/office/drawing/2014/main" id="{226E60CE-453C-87F1-6E4F-08369648F234}"/>
+          <p:cNvPr id="33" name="Multiply 32">
+            <a:extLst>
+              <a:ext uri="{FF2B5EF4-FFF2-40B4-BE49-F238E27FC236}">
+                <a16:creationId xmlns:a16="http://schemas.microsoft.com/office/drawing/2014/main" id="{8D528928-25DA-46AA-8751-1E6C3807F233}"/>
               </a:ext>
             </a:extLst>
           </p:cNvPr>
@@ -21593,7 +21257,7 @@
         </p:nvSpPr>
         <p:spPr>
           <a:xfrm>
-            <a:off x="4419553" y="2417690"/>
+            <a:off x="7779046" y="2376638"/>
             <a:ext cx="4057914" cy="3431474"/>
           </a:xfrm>
           <a:prstGeom prst="mathMultiply">
@@ -21626,58 +21290,7 @@
           <a:lstStyle/>
           <a:p>
             <a:pPr algn="ctr"/>
-            <a:endParaRPr lang="en-US"/>
-          </a:p>
-        </p:txBody>
-      </p:sp>
-      <p:sp>
-        <p:nvSpPr>
-          <p:cNvPr id="33" name="Multiply 32">
-            <a:extLst>
-              <a:ext uri="{FF2B5EF4-FFF2-40B4-BE49-F238E27FC236}">
-                <a16:creationId xmlns:a16="http://schemas.microsoft.com/office/drawing/2014/main" id="{8D528928-25DA-46AA-8751-1E6C3807F233}"/>
-              </a:ext>
-            </a:extLst>
-          </p:cNvPr>
-          <p:cNvSpPr/>
-          <p:nvPr/>
-        </p:nvSpPr>
-        <p:spPr>
-          <a:xfrm>
-            <a:off x="7779046" y="2376638"/>
-            <a:ext cx="4057914" cy="3431474"/>
-          </a:xfrm>
-          <a:prstGeom prst="mathMultiply">
-            <a:avLst>
-              <a:gd name="adj1" fmla="val 8779"/>
-            </a:avLst>
-          </a:prstGeom>
-          <a:solidFill>
-            <a:srgbClr val="FF0000"/>
-          </a:solidFill>
-        </p:spPr>
-        <p:style>
-          <a:lnRef idx="2">
-            <a:schemeClr val="accent1">
-              <a:shade val="15000"/>
-            </a:schemeClr>
-          </a:lnRef>
-          <a:fillRef idx="1">
-            <a:schemeClr val="accent1"/>
-          </a:fillRef>
-          <a:effectRef idx="0">
-            <a:schemeClr val="accent1"/>
-          </a:effectRef>
-          <a:fontRef idx="minor">
-            <a:schemeClr val="lt1"/>
-          </a:fontRef>
-        </p:style>
-        <p:txBody>
-          <a:bodyPr rtlCol="0" anchor="ctr"/>
-          <a:lstStyle/>
-          <a:p>
-            <a:pPr algn="ctr"/>
-            <a:endParaRPr lang="en-US"/>
+            <a:endParaRPr lang="en-US" dirty="0"/>
           </a:p>
         </p:txBody>
       </p:sp>
@@ -21733,6 +21346,425 @@
               <a:t>Counting triangles is fast</a:t>
             </a:r>
             <a:endParaRPr lang="en-US" dirty="0"/>
+          </a:p>
+        </p:txBody>
+      </p:sp>
+      <p:sp>
+        <p:nvSpPr>
+          <p:cNvPr id="35" name="Oval 34">
+            <a:extLst>
+              <a:ext uri="{FF2B5EF4-FFF2-40B4-BE49-F238E27FC236}">
+                <a16:creationId xmlns:a16="http://schemas.microsoft.com/office/drawing/2014/main" id="{47313107-B5FA-301F-86B3-01CDAFFF5190}"/>
+              </a:ext>
+            </a:extLst>
+          </p:cNvPr>
+          <p:cNvSpPr>
+            <a:spLocks noChangeAspect="1"/>
+          </p:cNvSpPr>
+          <p:nvPr/>
+        </p:nvSpPr>
+        <p:spPr>
+          <a:xfrm>
+            <a:off x="4977120" y="3815465"/>
+            <a:ext cx="720000" cy="720000"/>
+          </a:xfrm>
+          <a:prstGeom prst="ellipse">
+            <a:avLst/>
+          </a:prstGeom>
+          <a:solidFill>
+            <a:schemeClr val="accent6"/>
+          </a:solidFill>
+        </p:spPr>
+        <p:style>
+          <a:lnRef idx="2">
+            <a:schemeClr val="accent1">
+              <a:shade val="15000"/>
+            </a:schemeClr>
+          </a:lnRef>
+          <a:fillRef idx="1">
+            <a:schemeClr val="accent1"/>
+          </a:fillRef>
+          <a:effectRef idx="0">
+            <a:schemeClr val="accent1"/>
+          </a:effectRef>
+          <a:fontRef idx="minor">
+            <a:schemeClr val="lt1"/>
+          </a:fontRef>
+        </p:style>
+        <p:txBody>
+          <a:bodyPr rtlCol="0" anchor="ctr"/>
+          <a:lstStyle/>
+          <a:p>
+            <a:pPr algn="ctr"/>
+            <a:r>
+              <a:rPr lang="en-US" dirty="0"/>
+              <a:t>a</a:t>
+            </a:r>
+          </a:p>
+        </p:txBody>
+      </p:sp>
+      <p:sp>
+        <p:nvSpPr>
+          <p:cNvPr id="36" name="Oval 35">
+            <a:extLst>
+              <a:ext uri="{FF2B5EF4-FFF2-40B4-BE49-F238E27FC236}">
+                <a16:creationId xmlns:a16="http://schemas.microsoft.com/office/drawing/2014/main" id="{29AA2859-8235-54AB-F04D-BF44574F32FE}"/>
+              </a:ext>
+            </a:extLst>
+          </p:cNvPr>
+          <p:cNvSpPr>
+            <a:spLocks noChangeAspect="1"/>
+          </p:cNvSpPr>
+          <p:nvPr/>
+        </p:nvSpPr>
+        <p:spPr>
+          <a:xfrm>
+            <a:off x="6374783" y="2734446"/>
+            <a:ext cx="720000" cy="720000"/>
+          </a:xfrm>
+          <a:prstGeom prst="ellipse">
+            <a:avLst/>
+          </a:prstGeom>
+          <a:solidFill>
+            <a:schemeClr val="accent1"/>
+          </a:solidFill>
+        </p:spPr>
+        <p:style>
+          <a:lnRef idx="2">
+            <a:schemeClr val="accent1">
+              <a:shade val="15000"/>
+            </a:schemeClr>
+          </a:lnRef>
+          <a:fillRef idx="1">
+            <a:schemeClr val="accent1"/>
+          </a:fillRef>
+          <a:effectRef idx="0">
+            <a:schemeClr val="accent1"/>
+          </a:effectRef>
+          <a:fontRef idx="minor">
+            <a:schemeClr val="lt1"/>
+          </a:fontRef>
+        </p:style>
+        <p:txBody>
+          <a:bodyPr rtlCol="0" anchor="ctr"/>
+          <a:lstStyle/>
+          <a:p>
+            <a:pPr algn="ctr"/>
+            <a:r>
+              <a:rPr lang="en-US" dirty="0"/>
+              <a:t>b</a:t>
+            </a:r>
+          </a:p>
+        </p:txBody>
+      </p:sp>
+      <p:sp>
+        <p:nvSpPr>
+          <p:cNvPr id="37" name="Oval 36">
+            <a:extLst>
+              <a:ext uri="{FF2B5EF4-FFF2-40B4-BE49-F238E27FC236}">
+                <a16:creationId xmlns:a16="http://schemas.microsoft.com/office/drawing/2014/main" id="{25C3591D-3329-B86A-E211-7C3E992FBEFD}"/>
+              </a:ext>
+            </a:extLst>
+          </p:cNvPr>
+          <p:cNvSpPr>
+            <a:spLocks noChangeAspect="1"/>
+          </p:cNvSpPr>
+          <p:nvPr/>
+        </p:nvSpPr>
+        <p:spPr>
+          <a:xfrm>
+            <a:off x="6374783" y="4927393"/>
+            <a:ext cx="720000" cy="720000"/>
+          </a:xfrm>
+          <a:prstGeom prst="ellipse">
+            <a:avLst/>
+          </a:prstGeom>
+        </p:spPr>
+        <p:style>
+          <a:lnRef idx="2">
+            <a:schemeClr val="accent1">
+              <a:shade val="15000"/>
+            </a:schemeClr>
+          </a:lnRef>
+          <a:fillRef idx="1">
+            <a:schemeClr val="accent1"/>
+          </a:fillRef>
+          <a:effectRef idx="0">
+            <a:schemeClr val="accent1"/>
+          </a:effectRef>
+          <a:fontRef idx="minor">
+            <a:schemeClr val="lt1"/>
+          </a:fontRef>
+        </p:style>
+        <p:txBody>
+          <a:bodyPr rtlCol="0" anchor="ctr"/>
+          <a:lstStyle/>
+          <a:p>
+            <a:pPr algn="ctr"/>
+            <a:r>
+              <a:rPr lang="en-US" dirty="0"/>
+              <a:t>c</a:t>
+            </a:r>
+          </a:p>
+        </p:txBody>
+      </p:sp>
+      <p:cxnSp>
+        <p:nvCxnSpPr>
+          <p:cNvPr id="38" name="Straight Connector 37">
+            <a:extLst>
+              <a:ext uri="{FF2B5EF4-FFF2-40B4-BE49-F238E27FC236}">
+                <a16:creationId xmlns:a16="http://schemas.microsoft.com/office/drawing/2014/main" id="{0AC116E8-E5AE-03A8-97B7-73D85F13F013}"/>
+              </a:ext>
+            </a:extLst>
+          </p:cNvPr>
+          <p:cNvCxnSpPr>
+            <a:cxnSpLocks/>
+            <a:stCxn id="35" idx="7"/>
+            <a:endCxn id="36" idx="3"/>
+          </p:cNvCxnSpPr>
+          <p:nvPr/>
+        </p:nvCxnSpPr>
+        <p:spPr>
+          <a:xfrm flipV="1">
+            <a:off x="5591678" y="3349004"/>
+            <a:ext cx="888547" cy="571903"/>
+          </a:xfrm>
+          <a:prstGeom prst="line">
+            <a:avLst/>
+          </a:prstGeom>
+          <a:ln w="25400">
+            <a:solidFill>
+              <a:schemeClr val="accent6"/>
+            </a:solidFill>
+            <a:headEnd type="none"/>
+            <a:tailEnd type="triangle" w="lg" len="lg"/>
+          </a:ln>
+        </p:spPr>
+        <p:style>
+          <a:lnRef idx="1">
+            <a:schemeClr val="accent1"/>
+          </a:lnRef>
+          <a:fillRef idx="0">
+            <a:schemeClr val="accent1"/>
+          </a:fillRef>
+          <a:effectRef idx="0">
+            <a:schemeClr val="accent1"/>
+          </a:effectRef>
+          <a:fontRef idx="minor">
+            <a:schemeClr val="tx1"/>
+          </a:fontRef>
+        </p:style>
+      </p:cxnSp>
+      <p:cxnSp>
+        <p:nvCxnSpPr>
+          <p:cNvPr id="39" name="Straight Connector 38">
+            <a:extLst>
+              <a:ext uri="{FF2B5EF4-FFF2-40B4-BE49-F238E27FC236}">
+                <a16:creationId xmlns:a16="http://schemas.microsoft.com/office/drawing/2014/main" id="{F182A0D4-AE14-B068-77A9-6DD75E3A0F63}"/>
+              </a:ext>
+            </a:extLst>
+          </p:cNvPr>
+          <p:cNvCxnSpPr>
+            <a:stCxn id="35" idx="5"/>
+            <a:endCxn id="37" idx="1"/>
+          </p:cNvCxnSpPr>
+          <p:nvPr/>
+        </p:nvCxnSpPr>
+        <p:spPr>
+          <a:xfrm>
+            <a:off x="5591678" y="4430023"/>
+            <a:ext cx="888547" cy="602812"/>
+          </a:xfrm>
+          <a:prstGeom prst="line">
+            <a:avLst/>
+          </a:prstGeom>
+          <a:ln w="25400">
+            <a:solidFill>
+              <a:schemeClr val="tx1">
+                <a:lumMod val="50000"/>
+                <a:lumOff val="50000"/>
+              </a:schemeClr>
+            </a:solidFill>
+            <a:prstDash val="sysDot"/>
+            <a:tailEnd type="triangle" w="lg" len="lg"/>
+          </a:ln>
+        </p:spPr>
+        <p:style>
+          <a:lnRef idx="1">
+            <a:schemeClr val="accent1"/>
+          </a:lnRef>
+          <a:fillRef idx="0">
+            <a:schemeClr val="accent1"/>
+          </a:fillRef>
+          <a:effectRef idx="0">
+            <a:schemeClr val="accent1"/>
+          </a:effectRef>
+          <a:fontRef idx="minor">
+            <a:schemeClr val="tx1"/>
+          </a:fontRef>
+        </p:style>
+      </p:cxnSp>
+      <p:cxnSp>
+        <p:nvCxnSpPr>
+          <p:cNvPr id="40" name="Straight Connector 39">
+            <a:extLst>
+              <a:ext uri="{FF2B5EF4-FFF2-40B4-BE49-F238E27FC236}">
+                <a16:creationId xmlns:a16="http://schemas.microsoft.com/office/drawing/2014/main" id="{171E9325-66D4-B366-FD00-3E3637FCB306}"/>
+              </a:ext>
+            </a:extLst>
+          </p:cNvPr>
+          <p:cNvCxnSpPr>
+            <a:stCxn id="36" idx="4"/>
+            <a:endCxn id="37" idx="0"/>
+          </p:cNvCxnSpPr>
+          <p:nvPr/>
+        </p:nvCxnSpPr>
+        <p:spPr>
+          <a:xfrm>
+            <a:off x="6734783" y="3454446"/>
+            <a:ext cx="0" cy="1472947"/>
+          </a:xfrm>
+          <a:prstGeom prst="line">
+            <a:avLst/>
+          </a:prstGeom>
+          <a:ln w="25400">
+            <a:solidFill>
+              <a:schemeClr val="accent6"/>
+            </a:solidFill>
+            <a:prstDash val="solid"/>
+            <a:tailEnd type="triangle" w="lg" len="lg"/>
+          </a:ln>
+        </p:spPr>
+        <p:style>
+          <a:lnRef idx="1">
+            <a:schemeClr val="accent1"/>
+          </a:lnRef>
+          <a:fillRef idx="0">
+            <a:schemeClr val="accent1"/>
+          </a:fillRef>
+          <a:effectRef idx="0">
+            <a:schemeClr val="accent1"/>
+          </a:effectRef>
+          <a:fontRef idx="minor">
+            <a:schemeClr val="tx1"/>
+          </a:fontRef>
+        </p:style>
+      </p:cxnSp>
+      <p:sp>
+        <p:nvSpPr>
+          <p:cNvPr id="41" name="TextBox 40">
+            <a:extLst>
+              <a:ext uri="{FF2B5EF4-FFF2-40B4-BE49-F238E27FC236}">
+                <a16:creationId xmlns:a16="http://schemas.microsoft.com/office/drawing/2014/main" id="{E2AF84A5-E146-4E3C-4E50-3F7DDC43E6F0}"/>
+              </a:ext>
+            </a:extLst>
+          </p:cNvPr>
+          <p:cNvSpPr txBox="1"/>
+          <p:nvPr/>
+        </p:nvSpPr>
+        <p:spPr>
+          <a:xfrm>
+            <a:off x="5591678" y="4817260"/>
+            <a:ext cx="933856" cy="369332"/>
+          </a:xfrm>
+          <a:prstGeom prst="rect">
+            <a:avLst/>
+          </a:prstGeom>
+          <a:noFill/>
+        </p:spPr>
+        <p:txBody>
+          <a:bodyPr wrap="square" rtlCol="0">
+            <a:spAutoFit/>
+          </a:bodyPr>
+          <a:lstStyle/>
+          <a:p>
+            <a:r>
+              <a:rPr lang="en-US" dirty="0"/>
+              <a:t>?</a:t>
+            </a:r>
+          </a:p>
+        </p:txBody>
+      </p:sp>
+      <p:sp>
+        <p:nvSpPr>
+          <p:cNvPr id="42" name="Multiply 41">
+            <a:extLst>
+              <a:ext uri="{FF2B5EF4-FFF2-40B4-BE49-F238E27FC236}">
+                <a16:creationId xmlns:a16="http://schemas.microsoft.com/office/drawing/2014/main" id="{34A85C09-09C5-1476-7EB7-4313D434C25E}"/>
+              </a:ext>
+            </a:extLst>
+          </p:cNvPr>
+          <p:cNvSpPr/>
+          <p:nvPr/>
+        </p:nvSpPr>
+        <p:spPr>
+          <a:xfrm>
+            <a:off x="4434251" y="2430433"/>
+            <a:ext cx="4057914" cy="3431474"/>
+          </a:xfrm>
+          <a:prstGeom prst="mathMultiply">
+            <a:avLst>
+              <a:gd name="adj1" fmla="val 8779"/>
+            </a:avLst>
+          </a:prstGeom>
+          <a:solidFill>
+            <a:srgbClr val="FF0000"/>
+          </a:solidFill>
+        </p:spPr>
+        <p:style>
+          <a:lnRef idx="2">
+            <a:schemeClr val="accent1">
+              <a:shade val="15000"/>
+            </a:schemeClr>
+          </a:lnRef>
+          <a:fillRef idx="1">
+            <a:schemeClr val="accent1"/>
+          </a:fillRef>
+          <a:effectRef idx="0">
+            <a:schemeClr val="accent1"/>
+          </a:effectRef>
+          <a:fontRef idx="minor">
+            <a:schemeClr val="lt1"/>
+          </a:fontRef>
+        </p:style>
+        <p:txBody>
+          <a:bodyPr rtlCol="0" anchor="ctr"/>
+          <a:lstStyle/>
+          <a:p>
+            <a:pPr algn="ctr"/>
+            <a:endParaRPr lang="en-US" dirty="0"/>
+          </a:p>
+        </p:txBody>
+      </p:sp>
+      <p:sp>
+        <p:nvSpPr>
+          <p:cNvPr id="43" name="TextBox 42">
+            <a:extLst>
+              <a:ext uri="{FF2B5EF4-FFF2-40B4-BE49-F238E27FC236}">
+                <a16:creationId xmlns:a16="http://schemas.microsoft.com/office/drawing/2014/main" id="{3B0439FB-7181-D2A0-34AF-2FD85D7FD407}"/>
+              </a:ext>
+            </a:extLst>
+          </p:cNvPr>
+          <p:cNvSpPr txBox="1"/>
+          <p:nvPr/>
+        </p:nvSpPr>
+        <p:spPr>
+          <a:xfrm>
+            <a:off x="-1322962" y="4552545"/>
+            <a:ext cx="184731" cy="369332"/>
+          </a:xfrm>
+          <a:prstGeom prst="rect">
+            <a:avLst/>
+          </a:prstGeom>
+          <a:noFill/>
+        </p:spPr>
+        <p:txBody>
+          <a:bodyPr wrap="none" rtlCol="0">
+            <a:spAutoFit/>
+          </a:bodyPr>
+          <a:lstStyle/>
+          <a:p>
+            <a:endParaRPr lang="en-US"/>
           </a:p>
         </p:txBody>
       </p:sp>
